--- a/WhitePaper/Semantic Healthcare Paper Diagrams.pptx
+++ b/WhitePaper/Semantic Healthcare Paper Diagrams.pptx
@@ -10,6 +10,7 @@
     <p:sldId id="260" r:id="rId4"/>
     <p:sldId id="261" r:id="rId5"/>
     <p:sldId id="262" r:id="rId6"/>
+    <p:sldId id="263" r:id="rId7"/>
   </p:sldIdLst>
   <p:sldSz cx="6858000" cy="9144000" type="letter"/>
   <p:notesSz cx="6858000" cy="9144000"/>
@@ -247,7 +248,7 @@
           <a:p>
             <a:fld id="{D49B33F5-9DE1-47A5-B0F3-0B544D1A8CD0}" type="datetimeFigureOut">
               <a:rPr lang="en-US" smtClean="0"/>
-              <a:t>2/25/2022</a:t>
+              <a:t>3/12/2022</a:t>
             </a:fld>
             <a:endParaRPr lang="en-US"/>
           </a:p>
@@ -417,7 +418,7 @@
           <a:p>
             <a:fld id="{D49B33F5-9DE1-47A5-B0F3-0B544D1A8CD0}" type="datetimeFigureOut">
               <a:rPr lang="en-US" smtClean="0"/>
-              <a:t>2/25/2022</a:t>
+              <a:t>3/12/2022</a:t>
             </a:fld>
             <a:endParaRPr lang="en-US"/>
           </a:p>
@@ -597,7 +598,7 @@
           <a:p>
             <a:fld id="{D49B33F5-9DE1-47A5-B0F3-0B544D1A8CD0}" type="datetimeFigureOut">
               <a:rPr lang="en-US" smtClean="0"/>
-              <a:t>2/25/2022</a:t>
+              <a:t>3/12/2022</a:t>
             </a:fld>
             <a:endParaRPr lang="en-US"/>
           </a:p>
@@ -767,7 +768,7 @@
           <a:p>
             <a:fld id="{D49B33F5-9DE1-47A5-B0F3-0B544D1A8CD0}" type="datetimeFigureOut">
               <a:rPr lang="en-US" smtClean="0"/>
-              <a:t>2/25/2022</a:t>
+              <a:t>3/12/2022</a:t>
             </a:fld>
             <a:endParaRPr lang="en-US"/>
           </a:p>
@@ -1011,7 +1012,7 @@
           <a:p>
             <a:fld id="{D49B33F5-9DE1-47A5-B0F3-0B544D1A8CD0}" type="datetimeFigureOut">
               <a:rPr lang="en-US" smtClean="0"/>
-              <a:t>2/25/2022</a:t>
+              <a:t>3/12/2022</a:t>
             </a:fld>
             <a:endParaRPr lang="en-US"/>
           </a:p>
@@ -1243,7 +1244,7 @@
           <a:p>
             <a:fld id="{D49B33F5-9DE1-47A5-B0F3-0B544D1A8CD0}" type="datetimeFigureOut">
               <a:rPr lang="en-US" smtClean="0"/>
-              <a:t>2/25/2022</a:t>
+              <a:t>3/12/2022</a:t>
             </a:fld>
             <a:endParaRPr lang="en-US"/>
           </a:p>
@@ -1610,7 +1611,7 @@
           <a:p>
             <a:fld id="{D49B33F5-9DE1-47A5-B0F3-0B544D1A8CD0}" type="datetimeFigureOut">
               <a:rPr lang="en-US" smtClean="0"/>
-              <a:t>2/25/2022</a:t>
+              <a:t>3/12/2022</a:t>
             </a:fld>
             <a:endParaRPr lang="en-US"/>
           </a:p>
@@ -1728,7 +1729,7 @@
           <a:p>
             <a:fld id="{D49B33F5-9DE1-47A5-B0F3-0B544D1A8CD0}" type="datetimeFigureOut">
               <a:rPr lang="en-US" smtClean="0"/>
-              <a:t>2/25/2022</a:t>
+              <a:t>3/12/2022</a:t>
             </a:fld>
             <a:endParaRPr lang="en-US"/>
           </a:p>
@@ -1823,7 +1824,7 @@
           <a:p>
             <a:fld id="{D49B33F5-9DE1-47A5-B0F3-0B544D1A8CD0}" type="datetimeFigureOut">
               <a:rPr lang="en-US" smtClean="0"/>
-              <a:t>2/25/2022</a:t>
+              <a:t>3/12/2022</a:t>
             </a:fld>
             <a:endParaRPr lang="en-US"/>
           </a:p>
@@ -2100,7 +2101,7 @@
           <a:p>
             <a:fld id="{D49B33F5-9DE1-47A5-B0F3-0B544D1A8CD0}" type="datetimeFigureOut">
               <a:rPr lang="en-US" smtClean="0"/>
-              <a:t>2/25/2022</a:t>
+              <a:t>3/12/2022</a:t>
             </a:fld>
             <a:endParaRPr lang="en-US"/>
           </a:p>
@@ -2357,7 +2358,7 @@
           <a:p>
             <a:fld id="{D49B33F5-9DE1-47A5-B0F3-0B544D1A8CD0}" type="datetimeFigureOut">
               <a:rPr lang="en-US" smtClean="0"/>
-              <a:t>2/25/2022</a:t>
+              <a:t>3/12/2022</a:t>
             </a:fld>
             <a:endParaRPr lang="en-US"/>
           </a:p>
@@ -2570,7 +2571,7 @@
           <a:p>
             <a:fld id="{D49B33F5-9DE1-47A5-B0F3-0B544D1A8CD0}" type="datetimeFigureOut">
               <a:rPr lang="en-US" smtClean="0"/>
-              <a:t>2/25/2022</a:t>
+              <a:t>3/12/2022</a:t>
             </a:fld>
             <a:endParaRPr lang="en-US"/>
           </a:p>
@@ -6003,6 +6004,142 @@
 </p:sld>
 </file>
 
+<file path=ppt/slides/slide6.xml><?xml version="1.0" encoding="utf-8"?>
+<p:sld xmlns:a="http://schemas.openxmlformats.org/drawingml/2006/main" xmlns:r="http://schemas.openxmlformats.org/officeDocument/2006/relationships" xmlns:p="http://schemas.openxmlformats.org/presentationml/2006/main">
+  <p:cSld>
+    <p:spTree>
+      <p:nvGrpSpPr>
+        <p:cNvPr id="1" name=""/>
+        <p:cNvGrpSpPr/>
+        <p:nvPr/>
+      </p:nvGrpSpPr>
+      <p:grpSpPr>
+        <a:xfrm>
+          <a:off x="0" y="0"/>
+          <a:ext cx="0" cy="0"/>
+          <a:chOff x="0" y="0"/>
+          <a:chExt cx="0" cy="0"/>
+        </a:xfrm>
+      </p:grpSpPr>
+      <p:pic>
+        <p:nvPicPr>
+          <p:cNvPr id="19" name="Picture 18">
+            <a:extLst>
+              <a:ext uri="{FF2B5EF4-FFF2-40B4-BE49-F238E27FC236}">
+                <a16:creationId xmlns:a16="http://schemas.microsoft.com/office/drawing/2014/main" id="{2413D34C-50A1-40A6-85D2-3725F0DC81D5}"/>
+              </a:ext>
+            </a:extLst>
+          </p:cNvPr>
+          <p:cNvPicPr>
+            <a:picLocks noChangeAspect="1"/>
+          </p:cNvPicPr>
+          <p:nvPr/>
+        </p:nvPicPr>
+        <p:blipFill>
+          <a:blip r:embed="rId2"/>
+          <a:stretch>
+            <a:fillRect/>
+          </a:stretch>
+        </p:blipFill>
+        <p:spPr>
+          <a:xfrm>
+            <a:off x="103486" y="2527207"/>
+            <a:ext cx="2730572" cy="1774206"/>
+          </a:xfrm>
+          <a:prstGeom prst="rect">
+            <a:avLst/>
+          </a:prstGeom>
+        </p:spPr>
+      </p:pic>
+      <p:pic>
+        <p:nvPicPr>
+          <p:cNvPr id="20" name="image9.png">
+            <a:extLst>
+              <a:ext uri="{FF2B5EF4-FFF2-40B4-BE49-F238E27FC236}">
+                <a16:creationId xmlns:a16="http://schemas.microsoft.com/office/drawing/2014/main" id="{DE972323-8882-4ABB-B3A6-EE1594A51BE1}"/>
+              </a:ext>
+            </a:extLst>
+          </p:cNvPr>
+          <p:cNvPicPr/>
+          <p:nvPr/>
+        </p:nvPicPr>
+        <p:blipFill>
+          <a:blip r:embed="rId3"/>
+          <a:srcRect/>
+          <a:stretch>
+            <a:fillRect/>
+          </a:stretch>
+        </p:blipFill>
+        <p:spPr>
+          <a:xfrm>
+            <a:off x="3446127" y="2449903"/>
+            <a:ext cx="2898689" cy="2271387"/>
+          </a:xfrm>
+          <a:prstGeom prst="rect">
+            <a:avLst/>
+          </a:prstGeom>
+          <a:ln/>
+        </p:spPr>
+      </p:pic>
+      <p:sp>
+        <p:nvSpPr>
+          <p:cNvPr id="21" name="Arrow: Right 20">
+            <a:extLst>
+              <a:ext uri="{FF2B5EF4-FFF2-40B4-BE49-F238E27FC236}">
+                <a16:creationId xmlns:a16="http://schemas.microsoft.com/office/drawing/2014/main" id="{89324D2A-0449-47F4-85F9-7100488E31F0}"/>
+              </a:ext>
+            </a:extLst>
+          </p:cNvPr>
+          <p:cNvSpPr/>
+          <p:nvPr/>
+        </p:nvSpPr>
+        <p:spPr>
+          <a:xfrm>
+            <a:off x="2834058" y="3135086"/>
+            <a:ext cx="577817" cy="690465"/>
+          </a:xfrm>
+          <a:prstGeom prst="rightArrow">
+            <a:avLst/>
+          </a:prstGeom>
+        </p:spPr>
+        <p:style>
+          <a:lnRef idx="2">
+            <a:schemeClr val="accent1">
+              <a:shade val="50000"/>
+            </a:schemeClr>
+          </a:lnRef>
+          <a:fillRef idx="1">
+            <a:schemeClr val="accent1"/>
+          </a:fillRef>
+          <a:effectRef idx="0">
+            <a:schemeClr val="accent1"/>
+          </a:effectRef>
+          <a:fontRef idx="minor">
+            <a:schemeClr val="lt1"/>
+          </a:fontRef>
+        </p:style>
+        <p:txBody>
+          <a:bodyPr rtlCol="0" anchor="ctr"/>
+          <a:lstStyle/>
+          <a:p>
+            <a:pPr algn="ctr"/>
+            <a:endParaRPr lang="en-US"/>
+          </a:p>
+        </p:txBody>
+      </p:sp>
+    </p:spTree>
+    <p:extLst>
+      <p:ext uri="{BB962C8B-B14F-4D97-AF65-F5344CB8AC3E}">
+        <p14:creationId xmlns:p14="http://schemas.microsoft.com/office/powerpoint/2010/main" val="2273836676"/>
+      </p:ext>
+    </p:extLst>
+  </p:cSld>
+  <p:clrMapOvr>
+    <a:masterClrMapping/>
+  </p:clrMapOvr>
+</p:sld>
+</file>
+
 <file path=ppt/theme/theme1.xml><?xml version="1.0" encoding="utf-8"?>
 <a:theme xmlns:a="http://schemas.openxmlformats.org/drawingml/2006/main" name="Office Theme">
   <a:themeElements>

--- a/WhitePaper/Semantic Healthcare Paper Diagrams.pptx
+++ b/WhitePaper/Semantic Healthcare Paper Diagrams.pptx
@@ -7,10 +7,11 @@
   <p:sldIdLst>
     <p:sldId id="256" r:id="rId2"/>
     <p:sldId id="259" r:id="rId3"/>
-    <p:sldId id="260" r:id="rId4"/>
-    <p:sldId id="261" r:id="rId5"/>
-    <p:sldId id="262" r:id="rId6"/>
-    <p:sldId id="263" r:id="rId7"/>
+    <p:sldId id="264" r:id="rId4"/>
+    <p:sldId id="260" r:id="rId5"/>
+    <p:sldId id="261" r:id="rId6"/>
+    <p:sldId id="262" r:id="rId7"/>
+    <p:sldId id="263" r:id="rId8"/>
   </p:sldIdLst>
   <p:sldSz cx="6858000" cy="9144000" type="letter"/>
   <p:notesSz cx="6858000" cy="9144000"/>
@@ -248,7 +249,7 @@
           <a:p>
             <a:fld id="{D49B33F5-9DE1-47A5-B0F3-0B544D1A8CD0}" type="datetimeFigureOut">
               <a:rPr lang="en-US" smtClean="0"/>
-              <a:t>3/12/2022</a:t>
+              <a:t>3/18/2022</a:t>
             </a:fld>
             <a:endParaRPr lang="en-US"/>
           </a:p>
@@ -418,7 +419,7 @@
           <a:p>
             <a:fld id="{D49B33F5-9DE1-47A5-B0F3-0B544D1A8CD0}" type="datetimeFigureOut">
               <a:rPr lang="en-US" smtClean="0"/>
-              <a:t>3/12/2022</a:t>
+              <a:t>3/18/2022</a:t>
             </a:fld>
             <a:endParaRPr lang="en-US"/>
           </a:p>
@@ -598,7 +599,7 @@
           <a:p>
             <a:fld id="{D49B33F5-9DE1-47A5-B0F3-0B544D1A8CD0}" type="datetimeFigureOut">
               <a:rPr lang="en-US" smtClean="0"/>
-              <a:t>3/12/2022</a:t>
+              <a:t>3/18/2022</a:t>
             </a:fld>
             <a:endParaRPr lang="en-US"/>
           </a:p>
@@ -768,7 +769,7 @@
           <a:p>
             <a:fld id="{D49B33F5-9DE1-47A5-B0F3-0B544D1A8CD0}" type="datetimeFigureOut">
               <a:rPr lang="en-US" smtClean="0"/>
-              <a:t>3/12/2022</a:t>
+              <a:t>3/18/2022</a:t>
             </a:fld>
             <a:endParaRPr lang="en-US"/>
           </a:p>
@@ -1012,7 +1013,7 @@
           <a:p>
             <a:fld id="{D49B33F5-9DE1-47A5-B0F3-0B544D1A8CD0}" type="datetimeFigureOut">
               <a:rPr lang="en-US" smtClean="0"/>
-              <a:t>3/12/2022</a:t>
+              <a:t>3/18/2022</a:t>
             </a:fld>
             <a:endParaRPr lang="en-US"/>
           </a:p>
@@ -1244,7 +1245,7 @@
           <a:p>
             <a:fld id="{D49B33F5-9DE1-47A5-B0F3-0B544D1A8CD0}" type="datetimeFigureOut">
               <a:rPr lang="en-US" smtClean="0"/>
-              <a:t>3/12/2022</a:t>
+              <a:t>3/18/2022</a:t>
             </a:fld>
             <a:endParaRPr lang="en-US"/>
           </a:p>
@@ -1611,7 +1612,7 @@
           <a:p>
             <a:fld id="{D49B33F5-9DE1-47A5-B0F3-0B544D1A8CD0}" type="datetimeFigureOut">
               <a:rPr lang="en-US" smtClean="0"/>
-              <a:t>3/12/2022</a:t>
+              <a:t>3/18/2022</a:t>
             </a:fld>
             <a:endParaRPr lang="en-US"/>
           </a:p>
@@ -1729,7 +1730,7 @@
           <a:p>
             <a:fld id="{D49B33F5-9DE1-47A5-B0F3-0B544D1A8CD0}" type="datetimeFigureOut">
               <a:rPr lang="en-US" smtClean="0"/>
-              <a:t>3/12/2022</a:t>
+              <a:t>3/18/2022</a:t>
             </a:fld>
             <a:endParaRPr lang="en-US"/>
           </a:p>
@@ -1824,7 +1825,7 @@
           <a:p>
             <a:fld id="{D49B33F5-9DE1-47A5-B0F3-0B544D1A8CD0}" type="datetimeFigureOut">
               <a:rPr lang="en-US" smtClean="0"/>
-              <a:t>3/12/2022</a:t>
+              <a:t>3/18/2022</a:t>
             </a:fld>
             <a:endParaRPr lang="en-US"/>
           </a:p>
@@ -2101,7 +2102,7 @@
           <a:p>
             <a:fld id="{D49B33F5-9DE1-47A5-B0F3-0B544D1A8CD0}" type="datetimeFigureOut">
               <a:rPr lang="en-US" smtClean="0"/>
-              <a:t>3/12/2022</a:t>
+              <a:t>3/18/2022</a:t>
             </a:fld>
             <a:endParaRPr lang="en-US"/>
           </a:p>
@@ -2358,7 +2359,7 @@
           <a:p>
             <a:fld id="{D49B33F5-9DE1-47A5-B0F3-0B544D1A8CD0}" type="datetimeFigureOut">
               <a:rPr lang="en-US" smtClean="0"/>
-              <a:t>3/12/2022</a:t>
+              <a:t>3/18/2022</a:t>
             </a:fld>
             <a:endParaRPr lang="en-US"/>
           </a:p>
@@ -2571,7 +2572,7 @@
           <a:p>
             <a:fld id="{D49B33F5-9DE1-47A5-B0F3-0B544D1A8CD0}" type="datetimeFigureOut">
               <a:rPr lang="en-US" smtClean="0"/>
-              <a:t>3/12/2022</a:t>
+              <a:t>3/18/2022</a:t>
             </a:fld>
             <a:endParaRPr lang="en-US"/>
           </a:p>
@@ -3900,6 +3901,882 @@
           <a:chExt cx="0" cy="0"/>
         </a:xfrm>
       </p:grpSpPr>
+      <p:grpSp>
+        <p:nvGrpSpPr>
+          <p:cNvPr id="5" name="Group 4">
+            <a:extLst>
+              <a:ext uri="{FF2B5EF4-FFF2-40B4-BE49-F238E27FC236}">
+                <a16:creationId xmlns:a16="http://schemas.microsoft.com/office/drawing/2014/main" id="{A0998CAF-6A9A-4F4D-901D-0E811A5CA00A}"/>
+              </a:ext>
+            </a:extLst>
+          </p:cNvPr>
+          <p:cNvGrpSpPr/>
+          <p:nvPr/>
+        </p:nvGrpSpPr>
+        <p:grpSpPr>
+          <a:xfrm>
+            <a:off x="1424156" y="5802717"/>
+            <a:ext cx="4699591" cy="4423145"/>
+            <a:chOff x="1275906" y="2169041"/>
+            <a:chExt cx="4699591" cy="4423145"/>
+          </a:xfrm>
+          <a:scene3d>
+            <a:camera prst="isometricOffAxis2Top"/>
+            <a:lightRig rig="threePt" dir="t"/>
+          </a:scene3d>
+        </p:grpSpPr>
+        <p:sp>
+          <p:nvSpPr>
+            <p:cNvPr id="2" name="Rectangle: Rounded Corners 1">
+              <a:extLst>
+                <a:ext uri="{FF2B5EF4-FFF2-40B4-BE49-F238E27FC236}">
+                  <a16:creationId xmlns:a16="http://schemas.microsoft.com/office/drawing/2014/main" id="{86750DCA-61BF-42C4-A60D-6E0C8DC66FEB}"/>
+                </a:ext>
+              </a:extLst>
+            </p:cNvPr>
+            <p:cNvSpPr/>
+            <p:nvPr/>
+          </p:nvSpPr>
+          <p:spPr>
+            <a:xfrm>
+              <a:off x="1275906" y="2169041"/>
+              <a:ext cx="4699591" cy="4423145"/>
+            </a:xfrm>
+            <a:prstGeom prst="roundRect">
+              <a:avLst/>
+            </a:prstGeom>
+            <a:solidFill>
+              <a:schemeClr val="accent1">
+                <a:lumMod val="40000"/>
+                <a:lumOff val="60000"/>
+              </a:schemeClr>
+            </a:solidFill>
+            <a:sp3d extrusionH="95250">
+              <a:bevelT/>
+              <a:bevelB/>
+            </a:sp3d>
+          </p:spPr>
+          <p:style>
+            <a:lnRef idx="2">
+              <a:schemeClr val="accent1">
+                <a:shade val="50000"/>
+              </a:schemeClr>
+            </a:lnRef>
+            <a:fillRef idx="1">
+              <a:schemeClr val="accent1"/>
+            </a:fillRef>
+            <a:effectRef idx="0">
+              <a:schemeClr val="accent1"/>
+            </a:effectRef>
+            <a:fontRef idx="minor">
+              <a:schemeClr val="lt1"/>
+            </a:fontRef>
+          </p:style>
+          <p:txBody>
+            <a:bodyPr rtlCol="0" anchor="b" anchorCtr="0"/>
+            <a:lstStyle/>
+            <a:p>
+              <a:pPr algn="ctr"/>
+              <a:r>
+                <a:rPr lang="en-US" sz="7200" i="1" dirty="0">
+                  <a:solidFill>
+                    <a:schemeClr val="accent2">
+                      <a:lumMod val="50000"/>
+                    </a:schemeClr>
+                  </a:solidFill>
+                  <a:effectLst>
+                    <a:outerShdw blurRad="38100" dist="38100" dir="2700000" algn="tl">
+                      <a:srgbClr val="000000">
+                        <a:alpha val="43137"/>
+                      </a:srgbClr>
+                    </a:outerShdw>
+                  </a:effectLst>
+                </a:rPr>
+                <a:t>Concepts</a:t>
+              </a:r>
+            </a:p>
+          </p:txBody>
+        </p:sp>
+        <p:sp>
+          <p:nvSpPr>
+            <p:cNvPr id="3" name="Rectangle: Rounded Corners 2">
+              <a:extLst>
+                <a:ext uri="{FF2B5EF4-FFF2-40B4-BE49-F238E27FC236}">
+                  <a16:creationId xmlns:a16="http://schemas.microsoft.com/office/drawing/2014/main" id="{A52F4854-F196-4EF9-B021-F92EDFAC410F}"/>
+                </a:ext>
+              </a:extLst>
+            </p:cNvPr>
+            <p:cNvSpPr/>
+            <p:nvPr/>
+          </p:nvSpPr>
+          <p:spPr>
+            <a:xfrm>
+              <a:off x="1360967" y="2254102"/>
+              <a:ext cx="4486940" cy="4210493"/>
+            </a:xfrm>
+            <a:prstGeom prst="roundRect">
+              <a:avLst/>
+            </a:prstGeom>
+            <a:blipFill>
+              <a:blip r:embed="rId2"/>
+              <a:stretch>
+                <a:fillRect/>
+              </a:stretch>
+            </a:blipFill>
+          </p:spPr>
+          <p:style>
+            <a:lnRef idx="2">
+              <a:schemeClr val="accent1">
+                <a:shade val="50000"/>
+              </a:schemeClr>
+            </a:lnRef>
+            <a:fillRef idx="1">
+              <a:schemeClr val="accent1"/>
+            </a:fillRef>
+            <a:effectRef idx="0">
+              <a:schemeClr val="accent1"/>
+            </a:effectRef>
+            <a:fontRef idx="minor">
+              <a:schemeClr val="lt1"/>
+            </a:fontRef>
+          </p:style>
+          <p:txBody>
+            <a:bodyPr rtlCol="0" anchor="b" anchorCtr="0"/>
+            <a:lstStyle/>
+            <a:p>
+              <a:pPr algn="ctr"/>
+              <a:endParaRPr lang="en-US" dirty="0"/>
+            </a:p>
+          </p:txBody>
+        </p:sp>
+      </p:grpSp>
+      <p:grpSp>
+        <p:nvGrpSpPr>
+          <p:cNvPr id="19" name="Group 18">
+            <a:extLst>
+              <a:ext uri="{FF2B5EF4-FFF2-40B4-BE49-F238E27FC236}">
+                <a16:creationId xmlns:a16="http://schemas.microsoft.com/office/drawing/2014/main" id="{6F72DB2D-992D-4679-84D5-86E259107F8C}"/>
+              </a:ext>
+            </a:extLst>
+          </p:cNvPr>
+          <p:cNvGrpSpPr/>
+          <p:nvPr/>
+        </p:nvGrpSpPr>
+        <p:grpSpPr>
+          <a:xfrm rot="20596351">
+            <a:off x="2474957" y="5969286"/>
+            <a:ext cx="1297174" cy="1988407"/>
+            <a:chOff x="2634376" y="6012871"/>
+            <a:chExt cx="1297174" cy="1988407"/>
+          </a:xfrm>
+        </p:grpSpPr>
+        <p:sp>
+          <p:nvSpPr>
+            <p:cNvPr id="6" name="Oval 5">
+              <a:extLst>
+                <a:ext uri="{FF2B5EF4-FFF2-40B4-BE49-F238E27FC236}">
+                  <a16:creationId xmlns:a16="http://schemas.microsoft.com/office/drawing/2014/main" id="{AA1C94DD-7BDB-4E68-949E-2220AA75CBDB}"/>
+                </a:ext>
+              </a:extLst>
+            </p:cNvPr>
+            <p:cNvSpPr/>
+            <p:nvPr/>
+          </p:nvSpPr>
+          <p:spPr>
+            <a:xfrm>
+              <a:off x="2634376" y="7370182"/>
+              <a:ext cx="1297173" cy="631096"/>
+            </a:xfrm>
+            <a:prstGeom prst="ellipse">
+              <a:avLst/>
+            </a:prstGeom>
+            <a:solidFill>
+              <a:schemeClr val="accent4">
+                <a:alpha val="28000"/>
+              </a:schemeClr>
+            </a:solidFill>
+            <a:ln cap="flat">
+              <a:noFill/>
+            </a:ln>
+          </p:spPr>
+          <p:style>
+            <a:lnRef idx="2">
+              <a:schemeClr val="accent1">
+                <a:shade val="50000"/>
+              </a:schemeClr>
+            </a:lnRef>
+            <a:fillRef idx="1">
+              <a:schemeClr val="accent1"/>
+            </a:fillRef>
+            <a:effectRef idx="0">
+              <a:schemeClr val="accent1"/>
+            </a:effectRef>
+            <a:fontRef idx="minor">
+              <a:schemeClr val="lt1"/>
+            </a:fontRef>
+          </p:style>
+          <p:txBody>
+            <a:bodyPr rtlCol="0" anchor="ctr"/>
+            <a:lstStyle/>
+            <a:p>
+              <a:pPr algn="ctr"/>
+              <a:endParaRPr lang="en-US"/>
+            </a:p>
+          </p:txBody>
+        </p:sp>
+        <p:sp>
+          <p:nvSpPr>
+            <p:cNvPr id="8" name="Trapezoid 7">
+              <a:extLst>
+                <a:ext uri="{FF2B5EF4-FFF2-40B4-BE49-F238E27FC236}">
+                  <a16:creationId xmlns:a16="http://schemas.microsoft.com/office/drawing/2014/main" id="{BA378679-1248-4689-B266-37DA29958E44}"/>
+                </a:ext>
+              </a:extLst>
+            </p:cNvPr>
+            <p:cNvSpPr/>
+            <p:nvPr/>
+          </p:nvSpPr>
+          <p:spPr>
+            <a:xfrm>
+              <a:off x="2634377" y="6012871"/>
+              <a:ext cx="1297173" cy="1722474"/>
+            </a:xfrm>
+            <a:prstGeom prst="trapezoid">
+              <a:avLst/>
+            </a:prstGeom>
+            <a:solidFill>
+              <a:schemeClr val="accent4">
+                <a:alpha val="40000"/>
+              </a:schemeClr>
+            </a:solidFill>
+            <a:ln>
+              <a:noFill/>
+            </a:ln>
+          </p:spPr>
+          <p:style>
+            <a:lnRef idx="2">
+              <a:schemeClr val="accent1">
+                <a:shade val="50000"/>
+              </a:schemeClr>
+            </a:lnRef>
+            <a:fillRef idx="1">
+              <a:schemeClr val="accent1"/>
+            </a:fillRef>
+            <a:effectRef idx="0">
+              <a:schemeClr val="accent1"/>
+            </a:effectRef>
+            <a:fontRef idx="minor">
+              <a:schemeClr val="lt1"/>
+            </a:fontRef>
+          </p:style>
+          <p:txBody>
+            <a:bodyPr rtlCol="0" anchor="ctr"/>
+            <a:lstStyle/>
+            <a:p>
+              <a:pPr algn="ctr"/>
+              <a:endParaRPr lang="en-US"/>
+            </a:p>
+          </p:txBody>
+        </p:sp>
+      </p:grpSp>
+      <p:grpSp>
+        <p:nvGrpSpPr>
+          <p:cNvPr id="20" name="Group 19">
+            <a:extLst>
+              <a:ext uri="{FF2B5EF4-FFF2-40B4-BE49-F238E27FC236}">
+                <a16:creationId xmlns:a16="http://schemas.microsoft.com/office/drawing/2014/main" id="{96B06180-113C-4443-8F4F-2B74DCFFD5A0}"/>
+              </a:ext>
+            </a:extLst>
+          </p:cNvPr>
+          <p:cNvGrpSpPr/>
+          <p:nvPr/>
+        </p:nvGrpSpPr>
+        <p:grpSpPr>
+          <a:xfrm>
+            <a:off x="3125364" y="6171621"/>
+            <a:ext cx="1297174" cy="1988407"/>
+            <a:chOff x="2634376" y="6012871"/>
+            <a:chExt cx="1297174" cy="1988407"/>
+          </a:xfrm>
+        </p:grpSpPr>
+        <p:sp>
+          <p:nvSpPr>
+            <p:cNvPr id="21" name="Oval 20">
+              <a:extLst>
+                <a:ext uri="{FF2B5EF4-FFF2-40B4-BE49-F238E27FC236}">
+                  <a16:creationId xmlns:a16="http://schemas.microsoft.com/office/drawing/2014/main" id="{4E3DCD5E-3F75-4760-9122-B8331C16E9DF}"/>
+                </a:ext>
+              </a:extLst>
+            </p:cNvPr>
+            <p:cNvSpPr/>
+            <p:nvPr/>
+          </p:nvSpPr>
+          <p:spPr>
+            <a:xfrm>
+              <a:off x="2634376" y="7370182"/>
+              <a:ext cx="1297173" cy="631096"/>
+            </a:xfrm>
+            <a:prstGeom prst="ellipse">
+              <a:avLst/>
+            </a:prstGeom>
+            <a:solidFill>
+              <a:schemeClr val="accent4">
+                <a:alpha val="28000"/>
+              </a:schemeClr>
+            </a:solidFill>
+            <a:ln cap="flat">
+              <a:noFill/>
+            </a:ln>
+          </p:spPr>
+          <p:style>
+            <a:lnRef idx="2">
+              <a:schemeClr val="accent1">
+                <a:shade val="50000"/>
+              </a:schemeClr>
+            </a:lnRef>
+            <a:fillRef idx="1">
+              <a:schemeClr val="accent1"/>
+            </a:fillRef>
+            <a:effectRef idx="0">
+              <a:schemeClr val="accent1"/>
+            </a:effectRef>
+            <a:fontRef idx="minor">
+              <a:schemeClr val="lt1"/>
+            </a:fontRef>
+          </p:style>
+          <p:txBody>
+            <a:bodyPr rtlCol="0" anchor="ctr"/>
+            <a:lstStyle/>
+            <a:p>
+              <a:pPr algn="ctr"/>
+              <a:endParaRPr lang="en-US"/>
+            </a:p>
+          </p:txBody>
+        </p:sp>
+        <p:sp>
+          <p:nvSpPr>
+            <p:cNvPr id="22" name="Trapezoid 21">
+              <a:extLst>
+                <a:ext uri="{FF2B5EF4-FFF2-40B4-BE49-F238E27FC236}">
+                  <a16:creationId xmlns:a16="http://schemas.microsoft.com/office/drawing/2014/main" id="{B9363C46-5574-4726-840A-967D8C1563EA}"/>
+                </a:ext>
+              </a:extLst>
+            </p:cNvPr>
+            <p:cNvSpPr/>
+            <p:nvPr/>
+          </p:nvSpPr>
+          <p:spPr>
+            <a:xfrm>
+              <a:off x="2634377" y="6012871"/>
+              <a:ext cx="1297173" cy="1722474"/>
+            </a:xfrm>
+            <a:prstGeom prst="trapezoid">
+              <a:avLst/>
+            </a:prstGeom>
+            <a:solidFill>
+              <a:schemeClr val="accent4">
+                <a:alpha val="40000"/>
+              </a:schemeClr>
+            </a:solidFill>
+            <a:ln>
+              <a:noFill/>
+            </a:ln>
+          </p:spPr>
+          <p:style>
+            <a:lnRef idx="2">
+              <a:schemeClr val="accent1">
+                <a:shade val="50000"/>
+              </a:schemeClr>
+            </a:lnRef>
+            <a:fillRef idx="1">
+              <a:schemeClr val="accent1"/>
+            </a:fillRef>
+            <a:effectRef idx="0">
+              <a:schemeClr val="accent1"/>
+            </a:effectRef>
+            <a:fontRef idx="minor">
+              <a:schemeClr val="lt1"/>
+            </a:fontRef>
+          </p:style>
+          <p:txBody>
+            <a:bodyPr rtlCol="0" anchor="ctr"/>
+            <a:lstStyle/>
+            <a:p>
+              <a:pPr algn="ctr"/>
+              <a:endParaRPr lang="en-US"/>
+            </a:p>
+          </p:txBody>
+        </p:sp>
+      </p:grpSp>
+      <p:grpSp>
+        <p:nvGrpSpPr>
+          <p:cNvPr id="23" name="Group 22">
+            <a:extLst>
+              <a:ext uri="{FF2B5EF4-FFF2-40B4-BE49-F238E27FC236}">
+                <a16:creationId xmlns:a16="http://schemas.microsoft.com/office/drawing/2014/main" id="{32A62710-64B4-4310-A455-79E49CF1B95A}"/>
+              </a:ext>
+            </a:extLst>
+          </p:cNvPr>
+          <p:cNvGrpSpPr/>
+          <p:nvPr/>
+        </p:nvGrpSpPr>
+        <p:grpSpPr>
+          <a:xfrm rot="1678030">
+            <a:off x="3620270" y="6364005"/>
+            <a:ext cx="1297174" cy="1988407"/>
+            <a:chOff x="2634376" y="6012871"/>
+            <a:chExt cx="1297174" cy="1988407"/>
+          </a:xfrm>
+        </p:grpSpPr>
+        <p:sp>
+          <p:nvSpPr>
+            <p:cNvPr id="24" name="Oval 23">
+              <a:extLst>
+                <a:ext uri="{FF2B5EF4-FFF2-40B4-BE49-F238E27FC236}">
+                  <a16:creationId xmlns:a16="http://schemas.microsoft.com/office/drawing/2014/main" id="{20B2BED8-DBC9-4E55-AEF1-CC5CF7D6D52A}"/>
+                </a:ext>
+              </a:extLst>
+            </p:cNvPr>
+            <p:cNvSpPr/>
+            <p:nvPr/>
+          </p:nvSpPr>
+          <p:spPr>
+            <a:xfrm>
+              <a:off x="2634376" y="7370182"/>
+              <a:ext cx="1297173" cy="631096"/>
+            </a:xfrm>
+            <a:prstGeom prst="ellipse">
+              <a:avLst/>
+            </a:prstGeom>
+            <a:solidFill>
+              <a:schemeClr val="accent4">
+                <a:alpha val="28000"/>
+              </a:schemeClr>
+            </a:solidFill>
+            <a:ln cap="flat">
+              <a:noFill/>
+            </a:ln>
+          </p:spPr>
+          <p:style>
+            <a:lnRef idx="2">
+              <a:schemeClr val="accent1">
+                <a:shade val="50000"/>
+              </a:schemeClr>
+            </a:lnRef>
+            <a:fillRef idx="1">
+              <a:schemeClr val="accent1"/>
+            </a:fillRef>
+            <a:effectRef idx="0">
+              <a:schemeClr val="accent1"/>
+            </a:effectRef>
+            <a:fontRef idx="minor">
+              <a:schemeClr val="lt1"/>
+            </a:fontRef>
+          </p:style>
+          <p:txBody>
+            <a:bodyPr rtlCol="0" anchor="ctr"/>
+            <a:lstStyle/>
+            <a:p>
+              <a:pPr algn="ctr"/>
+              <a:endParaRPr lang="en-US"/>
+            </a:p>
+          </p:txBody>
+        </p:sp>
+        <p:sp>
+          <p:nvSpPr>
+            <p:cNvPr id="25" name="Trapezoid 24">
+              <a:extLst>
+                <a:ext uri="{FF2B5EF4-FFF2-40B4-BE49-F238E27FC236}">
+                  <a16:creationId xmlns:a16="http://schemas.microsoft.com/office/drawing/2014/main" id="{0D05B3E0-303C-472C-AA8B-A668479FBC52}"/>
+                </a:ext>
+              </a:extLst>
+            </p:cNvPr>
+            <p:cNvSpPr/>
+            <p:nvPr/>
+          </p:nvSpPr>
+          <p:spPr>
+            <a:xfrm>
+              <a:off x="2634377" y="6012871"/>
+              <a:ext cx="1297173" cy="1722474"/>
+            </a:xfrm>
+            <a:prstGeom prst="trapezoid">
+              <a:avLst/>
+            </a:prstGeom>
+            <a:solidFill>
+              <a:schemeClr val="accent4">
+                <a:alpha val="40000"/>
+              </a:schemeClr>
+            </a:solidFill>
+            <a:ln>
+              <a:noFill/>
+            </a:ln>
+          </p:spPr>
+          <p:style>
+            <a:lnRef idx="2">
+              <a:schemeClr val="accent1">
+                <a:shade val="50000"/>
+              </a:schemeClr>
+            </a:lnRef>
+            <a:fillRef idx="1">
+              <a:schemeClr val="accent1"/>
+            </a:fillRef>
+            <a:effectRef idx="0">
+              <a:schemeClr val="accent1"/>
+            </a:effectRef>
+            <a:fontRef idx="minor">
+              <a:schemeClr val="lt1"/>
+            </a:fontRef>
+          </p:style>
+          <p:txBody>
+            <a:bodyPr rtlCol="0" anchor="ctr"/>
+            <a:lstStyle/>
+            <a:p>
+              <a:pPr algn="ctr"/>
+              <a:endParaRPr lang="en-US" dirty="0"/>
+            </a:p>
+          </p:txBody>
+        </p:sp>
+      </p:grpSp>
+      <p:sp>
+        <p:nvSpPr>
+          <p:cNvPr id="26" name="Oval 25">
+            <a:extLst>
+              <a:ext uri="{FF2B5EF4-FFF2-40B4-BE49-F238E27FC236}">
+                <a16:creationId xmlns:a16="http://schemas.microsoft.com/office/drawing/2014/main" id="{F69575B5-BFC5-4311-ABBE-9147EF808C93}"/>
+              </a:ext>
+            </a:extLst>
+          </p:cNvPr>
+          <p:cNvSpPr/>
+          <p:nvPr/>
+        </p:nvSpPr>
+        <p:spPr>
+          <a:xfrm>
+            <a:off x="2142722" y="5151640"/>
+            <a:ext cx="1406764" cy="985086"/>
+          </a:xfrm>
+          <a:prstGeom prst="ellipse">
+            <a:avLst/>
+          </a:prstGeom>
+          <a:scene3d>
+            <a:camera prst="isometricTopUp"/>
+            <a:lightRig rig="threePt" dir="t"/>
+          </a:scene3d>
+          <a:sp3d extrusionH="88900">
+            <a:bevelT prst="angle"/>
+            <a:bevelB w="152400" h="50800" prst="softRound"/>
+          </a:sp3d>
+        </p:spPr>
+        <p:style>
+          <a:lnRef idx="2">
+            <a:schemeClr val="accent1">
+              <a:shade val="50000"/>
+            </a:schemeClr>
+          </a:lnRef>
+          <a:fillRef idx="1">
+            <a:schemeClr val="accent1"/>
+          </a:fillRef>
+          <a:effectRef idx="0">
+            <a:schemeClr val="accent1"/>
+          </a:effectRef>
+          <a:fontRef idx="minor">
+            <a:schemeClr val="lt1"/>
+          </a:fontRef>
+        </p:style>
+        <p:txBody>
+          <a:bodyPr rtlCol="0" anchor="ctr"/>
+          <a:lstStyle/>
+          <a:p>
+            <a:pPr algn="ctr"/>
+            <a:r>
+              <a:rPr lang="en-US" sz="1400" dirty="0"/>
+              <a:t>Clinical</a:t>
+            </a:r>
+          </a:p>
+          <a:p>
+            <a:pPr algn="ctr"/>
+            <a:r>
+              <a:rPr lang="en-US" sz="1400" dirty="0"/>
+              <a:t>Viewpoint</a:t>
+            </a:r>
+          </a:p>
+        </p:txBody>
+      </p:sp>
+      <p:sp>
+        <p:nvSpPr>
+          <p:cNvPr id="27" name="Oval 26">
+            <a:extLst>
+              <a:ext uri="{FF2B5EF4-FFF2-40B4-BE49-F238E27FC236}">
+                <a16:creationId xmlns:a16="http://schemas.microsoft.com/office/drawing/2014/main" id="{0B907616-FCD4-4B02-99FB-74E78945E663}"/>
+              </a:ext>
+            </a:extLst>
+          </p:cNvPr>
+          <p:cNvSpPr/>
+          <p:nvPr/>
+        </p:nvSpPr>
+        <p:spPr>
+          <a:xfrm>
+            <a:off x="3049305" y="5551884"/>
+            <a:ext cx="1406764" cy="985086"/>
+          </a:xfrm>
+          <a:prstGeom prst="ellipse">
+            <a:avLst/>
+          </a:prstGeom>
+          <a:scene3d>
+            <a:camera prst="isometricTopUp"/>
+            <a:lightRig rig="threePt" dir="t"/>
+          </a:scene3d>
+          <a:sp3d extrusionH="88900">
+            <a:bevelT prst="angle"/>
+            <a:bevelB w="152400" h="50800" prst="softRound"/>
+          </a:sp3d>
+        </p:spPr>
+        <p:style>
+          <a:lnRef idx="2">
+            <a:schemeClr val="accent1">
+              <a:shade val="50000"/>
+            </a:schemeClr>
+          </a:lnRef>
+          <a:fillRef idx="1">
+            <a:schemeClr val="accent1"/>
+          </a:fillRef>
+          <a:effectRef idx="0">
+            <a:schemeClr val="accent1"/>
+          </a:effectRef>
+          <a:fontRef idx="minor">
+            <a:schemeClr val="lt1"/>
+          </a:fontRef>
+        </p:style>
+        <p:txBody>
+          <a:bodyPr rtlCol="0" anchor="ctr"/>
+          <a:lstStyle/>
+          <a:p>
+            <a:pPr algn="ctr"/>
+            <a:r>
+              <a:rPr lang="en-US" sz="1400" dirty="0"/>
+              <a:t>Guideline</a:t>
+            </a:r>
+          </a:p>
+          <a:p>
+            <a:pPr algn="ctr"/>
+            <a:r>
+              <a:rPr lang="en-US" sz="1400" dirty="0"/>
+              <a:t>Viewpoint</a:t>
+            </a:r>
+          </a:p>
+        </p:txBody>
+      </p:sp>
+      <p:sp>
+        <p:nvSpPr>
+          <p:cNvPr id="28" name="Oval 27">
+            <a:extLst>
+              <a:ext uri="{FF2B5EF4-FFF2-40B4-BE49-F238E27FC236}">
+                <a16:creationId xmlns:a16="http://schemas.microsoft.com/office/drawing/2014/main" id="{9F15259D-C043-480A-8391-C888A9FCE957}"/>
+              </a:ext>
+            </a:extLst>
+          </p:cNvPr>
+          <p:cNvSpPr/>
+          <p:nvPr/>
+        </p:nvSpPr>
+        <p:spPr>
+          <a:xfrm>
+            <a:off x="4069441" y="5920865"/>
+            <a:ext cx="1406764" cy="985086"/>
+          </a:xfrm>
+          <a:prstGeom prst="ellipse">
+            <a:avLst/>
+          </a:prstGeom>
+          <a:scene3d>
+            <a:camera prst="isometricTopUp"/>
+            <a:lightRig rig="threePt" dir="t"/>
+          </a:scene3d>
+          <a:sp3d extrusionH="88900">
+            <a:bevelT prst="angle"/>
+            <a:bevelB w="152400" h="50800" prst="softRound"/>
+          </a:sp3d>
+        </p:spPr>
+        <p:style>
+          <a:lnRef idx="2">
+            <a:schemeClr val="accent1">
+              <a:shade val="50000"/>
+            </a:schemeClr>
+          </a:lnRef>
+          <a:fillRef idx="1">
+            <a:schemeClr val="accent1"/>
+          </a:fillRef>
+          <a:effectRef idx="0">
+            <a:schemeClr val="accent1"/>
+          </a:effectRef>
+          <a:fontRef idx="minor">
+            <a:schemeClr val="lt1"/>
+          </a:fontRef>
+        </p:style>
+        <p:txBody>
+          <a:bodyPr rtlCol="0" anchor="ctr"/>
+          <a:lstStyle/>
+          <a:p>
+            <a:pPr algn="ctr"/>
+            <a:r>
+              <a:rPr lang="en-US" sz="1400" dirty="0"/>
+              <a:t>HIT Viewpoint</a:t>
+            </a:r>
+          </a:p>
+        </p:txBody>
+      </p:sp>
+      <p:pic>
+        <p:nvPicPr>
+          <p:cNvPr id="31" name="Picture 30" descr="Doctor writing">
+            <a:extLst>
+              <a:ext uri="{FF2B5EF4-FFF2-40B4-BE49-F238E27FC236}">
+                <a16:creationId xmlns:a16="http://schemas.microsoft.com/office/drawing/2014/main" id="{65FC5AAF-8DF0-4B33-BCFA-36E7C20EDDE0}"/>
+              </a:ext>
+            </a:extLst>
+          </p:cNvPr>
+          <p:cNvPicPr>
+            <a:picLocks noChangeAspect="1"/>
+          </p:cNvPicPr>
+          <p:nvPr/>
+        </p:nvPicPr>
+        <p:blipFill>
+          <a:blip r:embed="rId3">
+            <a:extLst>
+              <a:ext uri="{28A0092B-C50C-407E-A947-70E740481C1C}">
+                <a14:useLocalDpi xmlns:a14="http://schemas.microsoft.com/office/drawing/2010/main" val="0"/>
+              </a:ext>
+            </a:extLst>
+          </a:blip>
+          <a:stretch>
+            <a:fillRect/>
+          </a:stretch>
+        </p:blipFill>
+        <p:spPr>
+          <a:xfrm flipH="1">
+            <a:off x="1154518" y="5154542"/>
+            <a:ext cx="1097793" cy="3031653"/>
+          </a:xfrm>
+          <a:prstGeom prst="rect">
+            <a:avLst/>
+          </a:prstGeom>
+        </p:spPr>
+      </p:pic>
+      <p:sp>
+        <p:nvSpPr>
+          <p:cNvPr id="4" name="Rectangle 3">
+            <a:extLst>
+              <a:ext uri="{FF2B5EF4-FFF2-40B4-BE49-F238E27FC236}">
+                <a16:creationId xmlns:a16="http://schemas.microsoft.com/office/drawing/2014/main" id="{BED9FDC9-9D82-40A8-8FDC-93315D87A418}"/>
+              </a:ext>
+            </a:extLst>
+          </p:cNvPr>
+          <p:cNvSpPr/>
+          <p:nvPr/>
+        </p:nvSpPr>
+        <p:spPr>
+          <a:xfrm>
+            <a:off x="2825800" y="6671700"/>
+            <a:ext cx="1483098" cy="584775"/>
+          </a:xfrm>
+          <a:prstGeom prst="rect">
+            <a:avLst/>
+          </a:prstGeom>
+          <a:noFill/>
+        </p:spPr>
+        <p:txBody>
+          <a:bodyPr wrap="none" lIns="91440" tIns="45720" rIns="91440" bIns="45720">
+            <a:spAutoFit/>
+            <a:scene3d>
+              <a:camera prst="orthographicFront"/>
+              <a:lightRig rig="soft" dir="t">
+                <a:rot lat="0" lon="0" rev="15600000"/>
+              </a:lightRig>
+            </a:scene3d>
+            <a:sp3d extrusionH="57150" prstMaterial="softEdge">
+              <a:bevelT w="25400" h="38100"/>
+            </a:sp3d>
+          </a:bodyPr>
+          <a:lstStyle/>
+          <a:p>
+            <a:pPr algn="ctr"/>
+            <a:r>
+              <a:rPr lang="en-US" sz="3200" b="1" i="1" dirty="0">
+                <a:ln/>
+                <a:solidFill>
+                  <a:schemeClr val="accent4"/>
+                </a:solidFill>
+              </a:rPr>
+              <a:t>Binding</a:t>
+            </a:r>
+          </a:p>
+        </p:txBody>
+      </p:sp>
+      <p:pic>
+        <p:nvPicPr>
+          <p:cNvPr id="11" name="Picture 10" descr="Icon&#10;&#10;Description automatically generated">
+            <a:extLst>
+              <a:ext uri="{FF2B5EF4-FFF2-40B4-BE49-F238E27FC236}">
+                <a16:creationId xmlns:a16="http://schemas.microsoft.com/office/drawing/2014/main" id="{E310C76D-4440-4301-A074-96C8DFFF56D7}"/>
+              </a:ext>
+            </a:extLst>
+          </p:cNvPr>
+          <p:cNvPicPr>
+            <a:picLocks noChangeAspect="1"/>
+          </p:cNvPicPr>
+          <p:nvPr/>
+        </p:nvPicPr>
+        <p:blipFill>
+          <a:blip r:embed="rId4">
+            <a:extLst>
+              <a:ext uri="{28A0092B-C50C-407E-A947-70E740481C1C}">
+                <a14:useLocalDpi xmlns:a14="http://schemas.microsoft.com/office/drawing/2010/main" val="0"/>
+              </a:ext>
+              <a:ext uri="{837473B0-CC2E-450A-ABE3-18F120FF3D39}">
+                <a1611:picAttrSrcUrl xmlns:a1611="http://schemas.microsoft.com/office/drawing/2016/11/main" r:id="rId5"/>
+              </a:ext>
+            </a:extLst>
+          </a:blip>
+          <a:stretch>
+            <a:fillRect/>
+          </a:stretch>
+        </p:blipFill>
+        <p:spPr>
+          <a:xfrm>
+            <a:off x="4737098" y="6888635"/>
+            <a:ext cx="1531167" cy="1456328"/>
+          </a:xfrm>
+          <a:prstGeom prst="rect">
+            <a:avLst/>
+          </a:prstGeom>
+        </p:spPr>
+      </p:pic>
+    </p:spTree>
+    <p:extLst>
+      <p:ext uri="{BB962C8B-B14F-4D97-AF65-F5344CB8AC3E}">
+        <p14:creationId xmlns:p14="http://schemas.microsoft.com/office/powerpoint/2010/main" val="2963505209"/>
+      </p:ext>
+    </p:extLst>
+  </p:cSld>
+  <p:clrMapOvr>
+    <a:masterClrMapping/>
+  </p:clrMapOvr>
+</p:sld>
+</file>
+
+<file path=ppt/slides/slide4.xml><?xml version="1.0" encoding="utf-8"?>
+<p:sld xmlns:a="http://schemas.openxmlformats.org/drawingml/2006/main" xmlns:r="http://schemas.openxmlformats.org/officeDocument/2006/relationships" xmlns:p="http://schemas.openxmlformats.org/presentationml/2006/main">
+  <p:cSld>
+    <p:spTree>
+      <p:nvGrpSpPr>
+        <p:cNvPr id="1" name=""/>
+        <p:cNvGrpSpPr/>
+        <p:nvPr/>
+      </p:nvGrpSpPr>
+      <p:grpSpPr>
+        <a:xfrm>
+          <a:off x="0" y="0"/>
+          <a:ext cx="0" cy="0"/>
+          <a:chOff x="0" y="0"/>
+          <a:chExt cx="0" cy="0"/>
+        </a:xfrm>
+      </p:grpSpPr>
       <p:pic>
         <p:nvPicPr>
           <p:cNvPr id="1026" name="Picture 2" descr="Confused Computer Clipart Images | High-res Premium Images">
@@ -4181,7 +5058,7 @@
 </p:sld>
 </file>
 
-<file path=ppt/slides/slide4.xml><?xml version="1.0" encoding="utf-8"?>
+<file path=ppt/slides/slide5.xml><?xml version="1.0" encoding="utf-8"?>
 <p:sld xmlns:a="http://schemas.openxmlformats.org/drawingml/2006/main" xmlns:r="http://schemas.openxmlformats.org/officeDocument/2006/relationships" xmlns:p="http://schemas.openxmlformats.org/presentationml/2006/main">
   <p:cSld>
     <p:spTree>
@@ -5092,7 +5969,7 @@
 </p:sld>
 </file>
 
-<file path=ppt/slides/slide5.xml><?xml version="1.0" encoding="utf-8"?>
+<file path=ppt/slides/slide6.xml><?xml version="1.0" encoding="utf-8"?>
 <p:sld xmlns:a="http://schemas.openxmlformats.org/drawingml/2006/main" xmlns:r="http://schemas.openxmlformats.org/officeDocument/2006/relationships" xmlns:p="http://schemas.openxmlformats.org/presentationml/2006/main">
   <p:cSld>
     <p:spTree>
@@ -6004,7 +6881,7 @@
 </p:sld>
 </file>
 
-<file path=ppt/slides/slide6.xml><?xml version="1.0" encoding="utf-8"?>
+<file path=ppt/slides/slide7.xml><?xml version="1.0" encoding="utf-8"?>
 <p:sld xmlns:a="http://schemas.openxmlformats.org/drawingml/2006/main" xmlns:r="http://schemas.openxmlformats.org/officeDocument/2006/relationships" xmlns:p="http://schemas.openxmlformats.org/presentationml/2006/main">
   <p:cSld>
     <p:spTree>
